--- a/BekerjaDenganGeometri_KBAM.pptx
+++ b/BekerjaDenganGeometri_KBAM.pptx
@@ -303,6 +303,11 @@
     <p:ext uri="{EFAFB233-063F-42B5-8137-9DF3F51BA10A}">
       <p15:sldGuideLst xmlns:p15="http://schemas.microsoft.com/office/powerpoint/2012/main">
         <p15:guide id="1" pos="2880">
+          <p15:clr>
+            <a:srgbClr val="A4A3A4"/>
+          </p15:clr>
+        </p15:guide>
+        <p15:guide id="2" orient="horz" pos="1620">
           <p15:clr>
             <a:srgbClr val="A4A3A4"/>
           </p15:clr>
@@ -26036,7 +26041,7 @@
         <p14:prism/>
       </p:transition>
     </mc:Choice>
-    <mc:Fallback xmlns:p15="http://schemas.microsoft.com/office/powerpoint/2012/main" xmlns:com="http://schemas.openxmlformats.org/drawingml/2006/compatibility" xmlns:pvml="urn:schemas-microsoft-com:office:powerpoint" xmlns:v="urn:schemas-microsoft-com:vml" xmlns:o="urn:schemas-microsoft-com:office:office" xmlns:dgm="http://schemas.openxmlformats.org/drawingml/2006/diagram" xmlns:c="http://schemas.openxmlformats.org/drawingml/2006/chart" xmlns:mv="urn:schemas-microsoft-com:mac:vml" xmlns="">
+    <mc:Fallback xmlns="" xmlns:mv="urn:schemas-microsoft-com:mac:vml" xmlns:c="http://schemas.openxmlformats.org/drawingml/2006/chart" xmlns:dgm="http://schemas.openxmlformats.org/drawingml/2006/diagram" xmlns:o="urn:schemas-microsoft-com:office:office" xmlns:v="urn:schemas-microsoft-com:vml" xmlns:pvml="urn:schemas-microsoft-com:office:powerpoint" xmlns:com="http://schemas.openxmlformats.org/drawingml/2006/compatibility" xmlns:p15="http://schemas.microsoft.com/office/powerpoint/2012/main">
       <p:transition spd="med">
         <p:fade/>
       </p:transition>
@@ -35720,7 +35725,7 @@
         </p:nvSpPr>
         <p:spPr>
           <a:xfrm>
-            <a:off x="4431650" y="696225"/>
+            <a:off x="4572000" y="696225"/>
             <a:ext cx="4211400" cy="3636300"/>
           </a:xfrm>
           <a:prstGeom prst="rect">
@@ -35758,7 +35763,7 @@
                 <a:cs typeface="Barlow Condensed"/>
                 <a:sym typeface="Barlow Condensed"/>
               </a:rPr>
-              <a:t>Konstruktor geometry() tidak memerlukan argumen</a:t>
+              <a:t>konstruktor geometry() tidak memerlukan argumen</a:t>
             </a:r>
             <a:endParaRPr sz="1800" dirty="0">
               <a:highlight>
@@ -35803,6 +35808,18 @@
               <a:buChar char="-"/>
             </a:pPr>
             <a:r>
+              <a:rPr lang="en-ID" sz="1800" dirty="0">
+                <a:highlight>
+                  <a:schemeClr val="dk1"/>
+                </a:highlight>
+                <a:latin typeface="Barlow Condensed"/>
+                <a:ea typeface="Barlow Condensed"/>
+                <a:cs typeface="Barlow Condensed"/>
+                <a:sym typeface="Barlow Condensed"/>
+              </a:rPr>
+              <a:t>g</a:t>
+            </a:r>
+            <a:r>
               <a:rPr lang="es" sz="1800" dirty="0">
                 <a:highlight>
                   <a:schemeClr val="dk1"/>
@@ -35812,7 +35829,199 @@
                 <a:cs typeface="Barlow Condensed"/>
                 <a:sym typeface="Barlow Condensed"/>
               </a:rPr>
-              <a:t>Vertices.push(), seperti pada bufferGeometry</a:t>
+              <a:t>eometry.vertices.push(), </a:t>
+            </a:r>
+            <a:r>
+              <a:rPr lang="en-US" sz="1800" dirty="0" err="1">
+                <a:highlight>
+                  <a:schemeClr val="dk1"/>
+                </a:highlight>
+                <a:latin typeface="Barlow Condensed"/>
+                <a:ea typeface="Barlow Condensed"/>
+                <a:cs typeface="Barlow Condensed"/>
+                <a:sym typeface="Barlow Condensed"/>
+              </a:rPr>
+              <a:t>melakukan</a:t>
+            </a:r>
+            <a:r>
+              <a:rPr lang="en-US" sz="1800" dirty="0">
+                <a:highlight>
+                  <a:schemeClr val="dk1"/>
+                </a:highlight>
+                <a:latin typeface="Barlow Condensed"/>
+                <a:ea typeface="Barlow Condensed"/>
+                <a:cs typeface="Barlow Condensed"/>
+                <a:sym typeface="Barlow Condensed"/>
+              </a:rPr>
+              <a:t> push </a:t>
+            </a:r>
+            <a:r>
+              <a:rPr lang="en-US" sz="1800" dirty="0" err="1">
+                <a:highlight>
+                  <a:schemeClr val="dk1"/>
+                </a:highlight>
+                <a:latin typeface="Barlow Condensed"/>
+                <a:ea typeface="Barlow Condensed"/>
+                <a:cs typeface="Barlow Condensed"/>
+                <a:sym typeface="Barlow Condensed"/>
+              </a:rPr>
+              <a:t>koordinat</a:t>
+            </a:r>
+            <a:r>
+              <a:rPr lang="en-US" sz="1800" dirty="0">
+                <a:highlight>
+                  <a:schemeClr val="dk1"/>
+                </a:highlight>
+                <a:latin typeface="Barlow Condensed"/>
+                <a:ea typeface="Barlow Condensed"/>
+                <a:cs typeface="Barlow Condensed"/>
+                <a:sym typeface="Barlow Condensed"/>
+              </a:rPr>
+              <a:t> 3-dimensi </a:t>
+            </a:r>
+            <a:r>
+              <a:rPr lang="en-US" sz="1800" dirty="0" err="1">
+                <a:highlight>
+                  <a:schemeClr val="dk1"/>
+                </a:highlight>
+                <a:latin typeface="Barlow Condensed"/>
+                <a:ea typeface="Barlow Condensed"/>
+                <a:cs typeface="Barlow Condensed"/>
+                <a:sym typeface="Barlow Condensed"/>
+              </a:rPr>
+              <a:t>sebagai</a:t>
+            </a:r>
+            <a:r>
+              <a:rPr lang="en-US" sz="1800" dirty="0">
+                <a:highlight>
+                  <a:schemeClr val="dk1"/>
+                </a:highlight>
+                <a:latin typeface="Barlow Condensed"/>
+                <a:ea typeface="Barlow Condensed"/>
+                <a:cs typeface="Barlow Condensed"/>
+                <a:sym typeface="Barlow Condensed"/>
+              </a:rPr>
+              <a:t> </a:t>
+            </a:r>
+            <a:r>
+              <a:rPr lang="en-US" sz="1800" dirty="0" err="1">
+                <a:highlight>
+                  <a:schemeClr val="dk1"/>
+                </a:highlight>
+                <a:latin typeface="Barlow Condensed"/>
+                <a:ea typeface="Barlow Condensed"/>
+                <a:cs typeface="Barlow Condensed"/>
+                <a:sym typeface="Barlow Condensed"/>
+              </a:rPr>
+              <a:t>titik</a:t>
+            </a:r>
+            <a:r>
+              <a:rPr lang="en-US" sz="1800" dirty="0">
+                <a:highlight>
+                  <a:schemeClr val="dk1"/>
+                </a:highlight>
+                <a:latin typeface="Barlow Condensed"/>
+                <a:ea typeface="Barlow Condensed"/>
+                <a:cs typeface="Barlow Condensed"/>
+                <a:sym typeface="Barlow Condensed"/>
+              </a:rPr>
+              <a:t> </a:t>
+            </a:r>
+            <a:r>
+              <a:rPr lang="en-US" sz="1800" dirty="0" err="1">
+                <a:highlight>
+                  <a:schemeClr val="dk1"/>
+                </a:highlight>
+                <a:latin typeface="Barlow Condensed"/>
+                <a:ea typeface="Barlow Condensed"/>
+                <a:cs typeface="Barlow Condensed"/>
+                <a:sym typeface="Barlow Condensed"/>
+              </a:rPr>
+              <a:t>acuan</a:t>
+            </a:r>
+            <a:r>
+              <a:rPr lang="en-US" sz="1800" dirty="0">
+                <a:highlight>
+                  <a:schemeClr val="dk1"/>
+                </a:highlight>
+                <a:latin typeface="Barlow Condensed"/>
+                <a:ea typeface="Barlow Condensed"/>
+                <a:cs typeface="Barlow Condensed"/>
+                <a:sym typeface="Barlow Condensed"/>
+              </a:rPr>
+              <a:t> </a:t>
+            </a:r>
+            <a:r>
+              <a:rPr lang="en-US" sz="1800" dirty="0" err="1">
+                <a:highlight>
+                  <a:schemeClr val="dk1"/>
+                </a:highlight>
+                <a:latin typeface="Barlow Condensed"/>
+                <a:ea typeface="Barlow Condensed"/>
+                <a:cs typeface="Barlow Condensed"/>
+                <a:sym typeface="Barlow Condensed"/>
+              </a:rPr>
+              <a:t>bentuk</a:t>
+            </a:r>
+            <a:r>
+              <a:rPr lang="en-US" sz="1800" dirty="0">
+                <a:highlight>
+                  <a:schemeClr val="dk1"/>
+                </a:highlight>
+                <a:latin typeface="Barlow Condensed"/>
+                <a:ea typeface="Barlow Condensed"/>
+                <a:cs typeface="Barlow Condensed"/>
+                <a:sym typeface="Barlow Condensed"/>
+              </a:rPr>
+              <a:t> yang </a:t>
+            </a:r>
+            <a:r>
+              <a:rPr lang="en-US" sz="1800" dirty="0" err="1">
+                <a:highlight>
+                  <a:schemeClr val="dk1"/>
+                </a:highlight>
+                <a:latin typeface="Barlow Condensed"/>
+                <a:ea typeface="Barlow Condensed"/>
+                <a:cs typeface="Barlow Condensed"/>
+                <a:sym typeface="Barlow Condensed"/>
+              </a:rPr>
+              <a:t>akan</a:t>
+            </a:r>
+            <a:r>
+              <a:rPr lang="en-US" sz="1800" dirty="0">
+                <a:highlight>
+                  <a:schemeClr val="dk1"/>
+                </a:highlight>
+                <a:latin typeface="Barlow Condensed"/>
+                <a:ea typeface="Barlow Condensed"/>
+                <a:cs typeface="Barlow Condensed"/>
+                <a:sym typeface="Barlow Condensed"/>
+              </a:rPr>
+              <a:t> </a:t>
+            </a:r>
+            <a:r>
+              <a:rPr lang="en-US" sz="1800" dirty="0" err="1">
+                <a:highlight>
+                  <a:schemeClr val="dk1"/>
+                </a:highlight>
+                <a:latin typeface="Barlow Condensed"/>
+                <a:ea typeface="Barlow Condensed"/>
+                <a:cs typeface="Barlow Condensed"/>
+                <a:sym typeface="Barlow Condensed"/>
+              </a:rPr>
+              <a:t>dibuat</a:t>
+            </a:r>
+            <a:r>
+              <a:rPr lang="en-US" sz="1800" dirty="0">
+                <a:highlight>
+                  <a:schemeClr val="dk1"/>
+                </a:highlight>
+                <a:latin typeface="Barlow Condensed"/>
+                <a:ea typeface="Barlow Condensed"/>
+                <a:cs typeface="Barlow Condensed"/>
+                <a:sym typeface="Barlow Condensed"/>
+              </a:rPr>
+              <a:t>.</a:t>
             </a:r>
             <a:endParaRPr sz="1800" dirty="0">
               <a:highlight>
@@ -35866,7 +36075,7 @@
                 <a:cs typeface="Barlow Condensed"/>
                 <a:sym typeface="Barlow Condensed"/>
               </a:rPr>
-              <a:t>geometry.faces.push() seperti indices. Prinsipnya sama seperti bufferGeometry untuk membentuk segitiga. Property = Face3();</a:t>
+              <a:t>geometry.faces.push(), untuk membentuk suatu sisi pada bentuk geometri. Contoh kode tersebut membuat segitiga dengan titik-titik index 0,1,2 yang sebelumnya sudah didefinisikan (push)</a:t>
             </a:r>
             <a:endParaRPr sz="1800" dirty="0">
               <a:highlight>

--- a/BekerjaDenganGeometri_KBAM.pptx
+++ b/BekerjaDenganGeometri_KBAM.pptx
@@ -892,7 +892,7 @@
         </p:nvSpPr>
         <p:spPr>
           <a:xfrm>
-            <a:off x="381300" y="685800"/>
+            <a:off x="381000" y="685800"/>
             <a:ext cx="6096000" cy="3429000"/>
           </a:xfrm>
           <a:custGeom>
@@ -2244,7 +2244,7 @@
         </p:nvSpPr>
         <p:spPr>
           <a:xfrm>
-            <a:off x="381300" y="685800"/>
+            <a:off x="381000" y="685800"/>
             <a:ext cx="6096000" cy="3429000"/>
           </a:xfrm>
           <a:custGeom>
@@ -26041,7 +26041,7 @@
         <p14:prism/>
       </p:transition>
     </mc:Choice>
-    <mc:Fallback xmlns="" xmlns:mv="urn:schemas-microsoft-com:mac:vml" xmlns:c="http://schemas.openxmlformats.org/drawingml/2006/chart" xmlns:dgm="http://schemas.openxmlformats.org/drawingml/2006/diagram" xmlns:o="urn:schemas-microsoft-com:office:office" xmlns:v="urn:schemas-microsoft-com:vml" xmlns:pvml="urn:schemas-microsoft-com:office:powerpoint" xmlns:com="http://schemas.openxmlformats.org/drawingml/2006/compatibility" xmlns:p15="http://schemas.microsoft.com/office/powerpoint/2012/main">
+    <mc:Fallback xmlns:p15="http://schemas.microsoft.com/office/powerpoint/2012/main" xmlns:com="http://schemas.openxmlformats.org/drawingml/2006/compatibility" xmlns:pvml="urn:schemas-microsoft-com:office:powerpoint" xmlns:v="urn:schemas-microsoft-com:vml" xmlns:o="urn:schemas-microsoft-com:office:office" xmlns:dgm="http://schemas.openxmlformats.org/drawingml/2006/diagram" xmlns:c="http://schemas.openxmlformats.org/drawingml/2006/chart" xmlns:mv="urn:schemas-microsoft-com:mac:vml" xmlns="">
       <p:transition spd="med">
         <p:fade/>
       </p:transition>
@@ -26918,7 +26918,7 @@
               </a:spcAft>
               <a:buNone/>
             </a:pPr>
-            <a:endParaRPr sz="1500">
+            <a:endParaRPr sz="1500" dirty="0">
               <a:solidFill>
                 <a:srgbClr val="24292E"/>
               </a:solidFill>
@@ -26947,7 +26947,7 @@
               <a:buChar char="●"/>
             </a:pPr>
             <a:r>
-              <a:rPr lang="es" sz="1500" b="1">
+              <a:rPr lang="es" sz="1500" b="1" dirty="0">
                 <a:highlight>
                   <a:schemeClr val="dk1"/>
                 </a:highlight>
@@ -26959,7 +26959,7 @@
               <a:t>THREE.TubeGeometry (</a:t>
             </a:r>
             <a:r>
-              <a:rPr lang="es" sz="1500" b="1">
+              <a:rPr lang="es" sz="1500" b="1" dirty="0">
                 <a:solidFill>
                   <a:srgbClr val="434343"/>
                 </a:solidFill>
@@ -26974,7 +26974,7 @@
               <a:t>path, tubularSegments, radius, radialSegments, closed</a:t>
             </a:r>
             <a:r>
-              <a:rPr lang="es" sz="1500" b="1">
+              <a:rPr lang="es" sz="1500" b="1" dirty="0">
                 <a:highlight>
                   <a:schemeClr val="dk1"/>
                 </a:highlight>
@@ -26985,7 +26985,7 @@
               </a:rPr>
               <a:t>)</a:t>
             </a:r>
-            <a:endParaRPr sz="1500" b="1">
+            <a:endParaRPr sz="1500" b="1" dirty="0">
               <a:highlight>
                 <a:schemeClr val="dk1"/>
               </a:highlight>
@@ -27005,7 +27005,7 @@
               </a:spcAft>
               <a:buNone/>
             </a:pPr>
-            <a:endParaRPr sz="1700">
+            <a:endParaRPr sz="1700" dirty="0">
               <a:solidFill>
                 <a:srgbClr val="30B030"/>
               </a:solidFill>
@@ -27026,7 +27026,7 @@
               <a:buNone/>
             </a:pPr>
             <a:r>
-              <a:rPr lang="es" sz="1300">
+              <a:rPr lang="es" sz="1300" dirty="0">
                 <a:solidFill>
                   <a:srgbClr val="30B030"/>
                 </a:solidFill>
@@ -27038,7 +27038,7 @@
               <a:t>var</a:t>
             </a:r>
             <a:r>
-              <a:rPr lang="es" sz="1300">
+              <a:rPr lang="es" sz="1300" dirty="0">
                 <a:solidFill>
                   <a:srgbClr val="444444"/>
                 </a:solidFill>
@@ -27050,7 +27050,7 @@
               <a:t> geometry </a:t>
             </a:r>
             <a:r>
-              <a:rPr lang="es" sz="1300">
+              <a:rPr lang="es" sz="1300" dirty="0">
                 <a:solidFill>
                   <a:srgbClr val="888888"/>
                 </a:solidFill>
@@ -27062,7 +27062,7 @@
               <a:t>=</a:t>
             </a:r>
             <a:r>
-              <a:rPr lang="es" sz="1300">
+              <a:rPr lang="es" sz="1300" dirty="0">
                 <a:solidFill>
                   <a:srgbClr val="444444"/>
                 </a:solidFill>
@@ -27074,7 +27074,7 @@
               <a:t> </a:t>
             </a:r>
             <a:r>
-              <a:rPr lang="es" sz="1300">
+              <a:rPr lang="es" sz="1300" dirty="0">
                 <a:solidFill>
                   <a:srgbClr val="30B030"/>
                 </a:solidFill>
@@ -27086,7 +27086,7 @@
               <a:t>new</a:t>
             </a:r>
             <a:r>
-              <a:rPr lang="es" sz="1300">
+              <a:rPr lang="es" sz="1300" dirty="0">
                 <a:solidFill>
                   <a:srgbClr val="444444"/>
                 </a:solidFill>
@@ -27098,7 +27098,7 @@
               <a:t> THREE</a:t>
             </a:r>
             <a:r>
-              <a:rPr lang="es" sz="1300">
+              <a:rPr lang="es" sz="1300" dirty="0">
                 <a:solidFill>
                   <a:srgbClr val="888888"/>
                 </a:solidFill>
@@ -27110,7 +27110,7 @@
               <a:t>.</a:t>
             </a:r>
             <a:r>
-              <a:rPr lang="es" sz="1300">
+              <a:rPr lang="es" sz="1300" dirty="0">
                 <a:solidFill>
                   <a:srgbClr val="2194CE"/>
                 </a:solidFill>
@@ -27122,7 +27122,7 @@
               <a:t>TubeGeometry</a:t>
             </a:r>
             <a:r>
-              <a:rPr lang="es" sz="1300">
+              <a:rPr lang="es" sz="1300" dirty="0">
                 <a:solidFill>
                   <a:srgbClr val="888888"/>
                 </a:solidFill>
@@ -27134,7 +27134,7 @@
               <a:t>(</a:t>
             </a:r>
             <a:r>
-              <a:rPr lang="es" sz="1300">
+              <a:rPr lang="es" sz="1300" dirty="0">
                 <a:solidFill>
                   <a:srgbClr val="444444"/>
                 </a:solidFill>
@@ -27146,7 +27146,7 @@
               <a:t> path</a:t>
             </a:r>
             <a:r>
-              <a:rPr lang="es" sz="1300">
+              <a:rPr lang="es" sz="1300" dirty="0">
                 <a:solidFill>
                   <a:srgbClr val="888888"/>
                 </a:solidFill>
@@ -27158,7 +27158,7 @@
               <a:t>,</a:t>
             </a:r>
             <a:r>
-              <a:rPr lang="es" sz="1300">
+              <a:rPr lang="es" sz="1300" dirty="0">
                 <a:solidFill>
                   <a:srgbClr val="444444"/>
                 </a:solidFill>
@@ -27170,7 +27170,7 @@
               <a:t> </a:t>
             </a:r>
             <a:r>
-              <a:rPr lang="es" sz="1300">
+              <a:rPr lang="es" sz="1300" dirty="0">
                 <a:solidFill>
                   <a:srgbClr val="FF0080"/>
                 </a:solidFill>
@@ -27182,7 +27182,7 @@
               <a:t>20</a:t>
             </a:r>
             <a:r>
-              <a:rPr lang="es" sz="1300">
+              <a:rPr lang="es" sz="1300" dirty="0">
                 <a:solidFill>
                   <a:srgbClr val="888888"/>
                 </a:solidFill>
@@ -27194,7 +27194,7 @@
               <a:t>,</a:t>
             </a:r>
             <a:r>
-              <a:rPr lang="es" sz="1300">
+              <a:rPr lang="es" sz="1300" dirty="0">
                 <a:solidFill>
                   <a:srgbClr val="444444"/>
                 </a:solidFill>
@@ -27206,7 +27206,7 @@
               <a:t> </a:t>
             </a:r>
             <a:r>
-              <a:rPr lang="es" sz="1300">
+              <a:rPr lang="es" sz="1300" dirty="0">
                 <a:solidFill>
                   <a:srgbClr val="FF0080"/>
                 </a:solidFill>
@@ -27218,7 +27218,7 @@
               <a:t>2</a:t>
             </a:r>
             <a:r>
-              <a:rPr lang="es" sz="1300">
+              <a:rPr lang="es" sz="1300" dirty="0">
                 <a:solidFill>
                   <a:srgbClr val="888888"/>
                 </a:solidFill>
@@ -27230,7 +27230,7 @@
               <a:t>,</a:t>
             </a:r>
             <a:r>
-              <a:rPr lang="es" sz="1300">
+              <a:rPr lang="es" sz="1300" dirty="0">
                 <a:solidFill>
                   <a:srgbClr val="444444"/>
                 </a:solidFill>
@@ -27242,7 +27242,7 @@
               <a:t> </a:t>
             </a:r>
             <a:r>
-              <a:rPr lang="es" sz="1300">
+              <a:rPr lang="es" sz="1300" dirty="0">
                 <a:solidFill>
                   <a:srgbClr val="FF0080"/>
                 </a:solidFill>
@@ -27254,7 +27254,7 @@
               <a:t>8</a:t>
             </a:r>
             <a:r>
-              <a:rPr lang="es" sz="1300">
+              <a:rPr lang="es" sz="1300" dirty="0">
                 <a:solidFill>
                   <a:srgbClr val="888888"/>
                 </a:solidFill>
@@ -27266,7 +27266,7 @@
               <a:t>,</a:t>
             </a:r>
             <a:r>
-              <a:rPr lang="es" sz="1300">
+              <a:rPr lang="es" sz="1300" dirty="0">
                 <a:solidFill>
                   <a:srgbClr val="444444"/>
                 </a:solidFill>
@@ -27278,7 +27278,7 @@
               <a:t> </a:t>
             </a:r>
             <a:r>
-              <a:rPr lang="es" sz="1300">
+              <a:rPr lang="es" sz="1300" dirty="0">
                 <a:solidFill>
                   <a:srgbClr val="30B030"/>
                 </a:solidFill>
@@ -27290,7 +27290,7 @@
               <a:t>false</a:t>
             </a:r>
             <a:r>
-              <a:rPr lang="es" sz="1300">
+              <a:rPr lang="es" sz="1300" dirty="0">
                 <a:solidFill>
                   <a:srgbClr val="444444"/>
                 </a:solidFill>
@@ -27302,7 +27302,7 @@
               <a:t> </a:t>
             </a:r>
             <a:r>
-              <a:rPr lang="es" sz="1300">
+              <a:rPr lang="es" sz="1300" dirty="0">
                 <a:solidFill>
                   <a:srgbClr val="888888"/>
                 </a:solidFill>
@@ -27313,7 +27313,7 @@
               </a:rPr>
               <a:t>);</a:t>
             </a:r>
-            <a:endParaRPr sz="1300" b="1">
+            <a:endParaRPr sz="1300" b="1" dirty="0">
               <a:highlight>
                 <a:schemeClr val="dk1"/>
               </a:highlight>
@@ -27333,7 +27333,7 @@
               </a:spcAft>
               <a:buNone/>
             </a:pPr>
-            <a:endParaRPr sz="1500" b="1">
+            <a:endParaRPr sz="1500" b="1" dirty="0">
               <a:highlight>
                 <a:schemeClr val="dk1"/>
               </a:highlight>
@@ -27359,7 +27359,7 @@
               <a:buChar char="●"/>
             </a:pPr>
             <a:r>
-              <a:rPr lang="es" sz="1500" b="1">
+              <a:rPr lang="es" sz="1500" b="1" dirty="0">
                 <a:highlight>
                   <a:schemeClr val="dk1"/>
                 </a:highlight>
@@ -27371,7 +27371,7 @@
               <a:t>THREE.SphereGeometry (</a:t>
             </a:r>
             <a:r>
-              <a:rPr lang="es" sz="1500" b="1">
+              <a:rPr lang="es" sz="1500" b="1" dirty="0">
                 <a:solidFill>
                   <a:srgbClr val="434343"/>
                 </a:solidFill>
@@ -27386,7 +27386,7 @@
               <a:t>radius, widthSegments, heightSegments, phiStart, phiLength, thetaStart, thetaLength</a:t>
             </a:r>
             <a:r>
-              <a:rPr lang="es" sz="1500" b="1">
+              <a:rPr lang="es" sz="1500" b="1" dirty="0">
                 <a:highlight>
                   <a:schemeClr val="dk1"/>
                 </a:highlight>
@@ -27397,7 +27397,7 @@
               </a:rPr>
               <a:t>)</a:t>
             </a:r>
-            <a:endParaRPr sz="1500" b="1">
+            <a:endParaRPr sz="1500" b="1" dirty="0">
               <a:highlight>
                 <a:schemeClr val="dk1"/>
               </a:highlight>
@@ -27417,7 +27417,7 @@
               </a:spcAft>
               <a:buNone/>
             </a:pPr>
-            <a:endParaRPr sz="1700" b="1">
+            <a:endParaRPr sz="1700" b="1" dirty="0">
               <a:highlight>
                 <a:schemeClr val="dk1"/>
               </a:highlight>
@@ -27438,16 +27438,184 @@
               <a:buNone/>
             </a:pPr>
             <a:r>
+              <a:rPr lang="es" sz="1300" dirty="0">
+                <a:solidFill>
+                  <a:srgbClr val="30B030"/>
+                </a:solidFill>
+                <a:latin typeface="Courier New"/>
+                <a:ea typeface="Courier New"/>
+                <a:cs typeface="Courier New"/>
+                <a:sym typeface="Courier New"/>
+              </a:rPr>
+              <a:t>var</a:t>
+            </a:r>
+            <a:r>
+              <a:rPr lang="es" sz="1300" dirty="0">
+                <a:solidFill>
+                  <a:srgbClr val="444444"/>
+                </a:solidFill>
+                <a:latin typeface="Courier New"/>
+                <a:ea typeface="Courier New"/>
+                <a:cs typeface="Courier New"/>
+                <a:sym typeface="Courier New"/>
+              </a:rPr>
+              <a:t> geometry </a:t>
+            </a:r>
+            <a:r>
+              <a:rPr lang="es" sz="1300" dirty="0">
+                <a:solidFill>
+                  <a:srgbClr val="888888"/>
+                </a:solidFill>
+                <a:latin typeface="Courier New"/>
+                <a:ea typeface="Courier New"/>
+                <a:cs typeface="Courier New"/>
+                <a:sym typeface="Courier New"/>
+              </a:rPr>
+              <a:t>=</a:t>
+            </a:r>
+            <a:r>
+              <a:rPr lang="es" sz="1300" dirty="0">
+                <a:solidFill>
+                  <a:srgbClr val="444444"/>
+                </a:solidFill>
+                <a:latin typeface="Courier New"/>
+                <a:ea typeface="Courier New"/>
+                <a:cs typeface="Courier New"/>
+                <a:sym typeface="Courier New"/>
+              </a:rPr>
+              <a:t> </a:t>
+            </a:r>
+            <a:r>
+              <a:rPr lang="es" sz="1300" dirty="0">
+                <a:solidFill>
+                  <a:srgbClr val="30B030"/>
+                </a:solidFill>
+                <a:latin typeface="Courier New"/>
+                <a:ea typeface="Courier New"/>
+                <a:cs typeface="Courier New"/>
+                <a:sym typeface="Courier New"/>
+              </a:rPr>
+              <a:t>new</a:t>
+            </a:r>
+            <a:r>
+              <a:rPr lang="es" sz="1300" dirty="0">
+                <a:solidFill>
+                  <a:srgbClr val="444444"/>
+                </a:solidFill>
+                <a:latin typeface="Courier New"/>
+                <a:ea typeface="Courier New"/>
+                <a:cs typeface="Courier New"/>
+                <a:sym typeface="Courier New"/>
+              </a:rPr>
+              <a:t> THREE</a:t>
+            </a:r>
+            <a:r>
+              <a:rPr lang="es" sz="1300" dirty="0">
+                <a:solidFill>
+                  <a:srgbClr val="888888"/>
+                </a:solidFill>
+                <a:latin typeface="Courier New"/>
+                <a:ea typeface="Courier New"/>
+                <a:cs typeface="Courier New"/>
+                <a:sym typeface="Courier New"/>
+              </a:rPr>
+              <a:t>.</a:t>
+            </a:r>
+            <a:r>
+              <a:rPr lang="es" sz="1300" dirty="0">
+                <a:solidFill>
+                  <a:srgbClr val="2194CE"/>
+                </a:solidFill>
+                <a:latin typeface="Courier New"/>
+                <a:ea typeface="Courier New"/>
+                <a:cs typeface="Courier New"/>
+                <a:sym typeface="Courier New"/>
+              </a:rPr>
+              <a:t>SphereGeometry</a:t>
+            </a:r>
+            <a:r>
+              <a:rPr lang="es" sz="1300" dirty="0">
+                <a:solidFill>
+                  <a:srgbClr val="888888"/>
+                </a:solidFill>
+                <a:latin typeface="Courier New"/>
+                <a:ea typeface="Courier New"/>
+                <a:cs typeface="Courier New"/>
+                <a:sym typeface="Courier New"/>
+              </a:rPr>
+              <a:t>(</a:t>
+            </a:r>
+            <a:r>
+              <a:rPr lang="es" sz="1300" dirty="0">
+                <a:solidFill>
+                  <a:srgbClr val="444444"/>
+                </a:solidFill>
+                <a:latin typeface="Courier New"/>
+                <a:ea typeface="Courier New"/>
+                <a:cs typeface="Courier New"/>
+                <a:sym typeface="Courier New"/>
+              </a:rPr>
+              <a:t> </a:t>
+            </a:r>
+            <a:r>
+              <a:rPr lang="es" sz="1300" dirty="0">
+                <a:solidFill>
+                  <a:srgbClr val="FF0080"/>
+                </a:solidFill>
+                <a:latin typeface="Courier New"/>
+                <a:ea typeface="Courier New"/>
+                <a:cs typeface="Courier New"/>
+                <a:sym typeface="Courier New"/>
+              </a:rPr>
+              <a:t>5</a:t>
+            </a:r>
+            <a:r>
+              <a:rPr lang="es" sz="1300" dirty="0">
+                <a:solidFill>
+                  <a:srgbClr val="888888"/>
+                </a:solidFill>
+                <a:latin typeface="Courier New"/>
+                <a:ea typeface="Courier New"/>
+                <a:cs typeface="Courier New"/>
+                <a:sym typeface="Courier New"/>
+              </a:rPr>
+              <a:t>,</a:t>
+            </a:r>
+            <a:r>
+              <a:rPr lang="es" sz="1300" dirty="0">
+                <a:solidFill>
+                  <a:srgbClr val="444444"/>
+                </a:solidFill>
+                <a:latin typeface="Courier New"/>
+                <a:ea typeface="Courier New"/>
+                <a:cs typeface="Courier New"/>
+                <a:sym typeface="Courier New"/>
+              </a:rPr>
+              <a:t> </a:t>
+            </a:r>
+            <a:r>
+              <a:rPr lang="es" sz="1300" dirty="0">
+                <a:solidFill>
+                  <a:srgbClr val="FF0080"/>
+                </a:solidFill>
+                <a:latin typeface="Courier New"/>
+                <a:ea typeface="Courier New"/>
+                <a:cs typeface="Courier New"/>
+                <a:sym typeface="Courier New"/>
+              </a:rPr>
+              <a:t>8</a:t>
+            </a:r>
+            <a:r>
               <a:rPr lang="es" sz="1300">
                 <a:solidFill>
-                  <a:srgbClr val="30B030"/>
-                </a:solidFill>
-                <a:latin typeface="Courier New"/>
-                <a:ea typeface="Courier New"/>
-                <a:cs typeface="Courier New"/>
-                <a:sym typeface="Courier New"/>
-              </a:rPr>
-              <a:t>var</a:t>
+                  <a:srgbClr val="888888"/>
+                </a:solidFill>
+                <a:latin typeface="Courier New"/>
+                <a:ea typeface="Courier New"/>
+                <a:cs typeface="Courier New"/>
+                <a:sym typeface="Courier New"/>
+              </a:rPr>
+              <a:t>,</a:t>
             </a:r>
             <a:r>
               <a:rPr lang="es" sz="1300">
@@ -27459,11 +27627,35 @@
                 <a:cs typeface="Courier New"/>
                 <a:sym typeface="Courier New"/>
               </a:rPr>
-              <a:t> geometry </a:t>
+              <a:t> </a:t>
             </a:r>
             <a:r>
               <a:rPr lang="es" sz="1300">
                 <a:solidFill>
+                  <a:srgbClr val="FF0080"/>
+                </a:solidFill>
+                <a:latin typeface="Courier New"/>
+                <a:ea typeface="Courier New"/>
+                <a:cs typeface="Courier New"/>
+                <a:sym typeface="Courier New"/>
+              </a:rPr>
+              <a:t>6</a:t>
+            </a:r>
+            <a:r>
+              <a:rPr lang="es" sz="1300">
+                <a:solidFill>
+                  <a:srgbClr val="444444"/>
+                </a:solidFill>
+                <a:latin typeface="Courier New"/>
+                <a:ea typeface="Courier New"/>
+                <a:cs typeface="Courier New"/>
+                <a:sym typeface="Courier New"/>
+              </a:rPr>
+              <a:t> </a:t>
+            </a:r>
+            <a:r>
+              <a:rPr lang="es" sz="1300" dirty="0">
+                <a:solidFill>
                   <a:srgbClr val="888888"/>
                 </a:solidFill>
                 <a:latin typeface="Courier New"/>
@@ -27471,201 +27663,9 @@
                 <a:cs typeface="Courier New"/>
                 <a:sym typeface="Courier New"/>
               </a:rPr>
-              <a:t>=</a:t>
-            </a:r>
-            <a:r>
-              <a:rPr lang="es" sz="1300">
-                <a:solidFill>
-                  <a:srgbClr val="444444"/>
-                </a:solidFill>
-                <a:latin typeface="Courier New"/>
-                <a:ea typeface="Courier New"/>
-                <a:cs typeface="Courier New"/>
-                <a:sym typeface="Courier New"/>
-              </a:rPr>
-              <a:t> </a:t>
-            </a:r>
-            <a:r>
-              <a:rPr lang="es" sz="1300">
-                <a:solidFill>
-                  <a:srgbClr val="30B030"/>
-                </a:solidFill>
-                <a:latin typeface="Courier New"/>
-                <a:ea typeface="Courier New"/>
-                <a:cs typeface="Courier New"/>
-                <a:sym typeface="Courier New"/>
-              </a:rPr>
-              <a:t>new</a:t>
-            </a:r>
-            <a:r>
-              <a:rPr lang="es" sz="1300">
-                <a:solidFill>
-                  <a:srgbClr val="444444"/>
-                </a:solidFill>
-                <a:latin typeface="Courier New"/>
-                <a:ea typeface="Courier New"/>
-                <a:cs typeface="Courier New"/>
-                <a:sym typeface="Courier New"/>
-              </a:rPr>
-              <a:t> THREE</a:t>
-            </a:r>
-            <a:r>
-              <a:rPr lang="es" sz="1300">
-                <a:solidFill>
-                  <a:srgbClr val="888888"/>
-                </a:solidFill>
-                <a:latin typeface="Courier New"/>
-                <a:ea typeface="Courier New"/>
-                <a:cs typeface="Courier New"/>
-                <a:sym typeface="Courier New"/>
-              </a:rPr>
-              <a:t>.</a:t>
-            </a:r>
-            <a:r>
-              <a:rPr lang="es" sz="1300">
-                <a:solidFill>
-                  <a:srgbClr val="2194CE"/>
-                </a:solidFill>
-                <a:latin typeface="Courier New"/>
-                <a:ea typeface="Courier New"/>
-                <a:cs typeface="Courier New"/>
-                <a:sym typeface="Courier New"/>
-              </a:rPr>
-              <a:t>SphereGeometry</a:t>
-            </a:r>
-            <a:r>
-              <a:rPr lang="es" sz="1300">
-                <a:solidFill>
-                  <a:srgbClr val="888888"/>
-                </a:solidFill>
-                <a:latin typeface="Courier New"/>
-                <a:ea typeface="Courier New"/>
-                <a:cs typeface="Courier New"/>
-                <a:sym typeface="Courier New"/>
-              </a:rPr>
-              <a:t>(</a:t>
-            </a:r>
-            <a:r>
-              <a:rPr lang="es" sz="1300">
-                <a:solidFill>
-                  <a:srgbClr val="444444"/>
-                </a:solidFill>
-                <a:latin typeface="Courier New"/>
-                <a:ea typeface="Courier New"/>
-                <a:cs typeface="Courier New"/>
-                <a:sym typeface="Courier New"/>
-              </a:rPr>
-              <a:t> </a:t>
-            </a:r>
-            <a:r>
-              <a:rPr lang="es" sz="1300">
-                <a:solidFill>
-                  <a:srgbClr val="FF0080"/>
-                </a:solidFill>
-                <a:latin typeface="Courier New"/>
-                <a:ea typeface="Courier New"/>
-                <a:cs typeface="Courier New"/>
-                <a:sym typeface="Courier New"/>
-              </a:rPr>
-              <a:t>5</a:t>
-            </a:r>
-            <a:r>
-              <a:rPr lang="es" sz="1300">
-                <a:solidFill>
-                  <a:srgbClr val="888888"/>
-                </a:solidFill>
-                <a:latin typeface="Courier New"/>
-                <a:ea typeface="Courier New"/>
-                <a:cs typeface="Courier New"/>
-                <a:sym typeface="Courier New"/>
-              </a:rPr>
-              <a:t>,</a:t>
-            </a:r>
-            <a:r>
-              <a:rPr lang="es" sz="1300">
-                <a:solidFill>
-                  <a:srgbClr val="444444"/>
-                </a:solidFill>
-                <a:latin typeface="Courier New"/>
-                <a:ea typeface="Courier New"/>
-                <a:cs typeface="Courier New"/>
-                <a:sym typeface="Courier New"/>
-              </a:rPr>
-              <a:t> </a:t>
-            </a:r>
-            <a:r>
-              <a:rPr lang="es" sz="1300">
-                <a:solidFill>
-                  <a:srgbClr val="FF0080"/>
-                </a:solidFill>
-                <a:latin typeface="Courier New"/>
-                <a:ea typeface="Courier New"/>
-                <a:cs typeface="Courier New"/>
-                <a:sym typeface="Courier New"/>
-              </a:rPr>
-              <a:t>32</a:t>
-            </a:r>
-            <a:r>
-              <a:rPr lang="es" sz="1300">
-                <a:solidFill>
-                  <a:srgbClr val="888888"/>
-                </a:solidFill>
-                <a:latin typeface="Courier New"/>
-                <a:ea typeface="Courier New"/>
-                <a:cs typeface="Courier New"/>
-                <a:sym typeface="Courier New"/>
-              </a:rPr>
-              <a:t>,</a:t>
-            </a:r>
-            <a:r>
-              <a:rPr lang="es" sz="1300">
-                <a:solidFill>
-                  <a:srgbClr val="444444"/>
-                </a:solidFill>
-                <a:latin typeface="Courier New"/>
-                <a:ea typeface="Courier New"/>
-                <a:cs typeface="Courier New"/>
-                <a:sym typeface="Courier New"/>
-              </a:rPr>
-              <a:t> </a:t>
-            </a:r>
-            <a:r>
-              <a:rPr lang="es" sz="1300">
-                <a:solidFill>
-                  <a:srgbClr val="FF0080"/>
-                </a:solidFill>
-                <a:latin typeface="Courier New"/>
-                <a:ea typeface="Courier New"/>
-                <a:cs typeface="Courier New"/>
-                <a:sym typeface="Courier New"/>
-              </a:rPr>
-              <a:t>32</a:t>
-            </a:r>
-            <a:r>
-              <a:rPr lang="es" sz="1300">
-                <a:solidFill>
-                  <a:srgbClr val="444444"/>
-                </a:solidFill>
-                <a:latin typeface="Courier New"/>
-                <a:ea typeface="Courier New"/>
-                <a:cs typeface="Courier New"/>
-                <a:sym typeface="Courier New"/>
-              </a:rPr>
-              <a:t> </a:t>
-            </a:r>
-            <a:r>
-              <a:rPr lang="es" sz="1300">
-                <a:solidFill>
-                  <a:srgbClr val="888888"/>
-                </a:solidFill>
-                <a:latin typeface="Courier New"/>
-                <a:ea typeface="Courier New"/>
-                <a:cs typeface="Courier New"/>
-                <a:sym typeface="Courier New"/>
-              </a:rPr>
               <a:t>);</a:t>
             </a:r>
-            <a:endParaRPr sz="1300" b="1">
+            <a:endParaRPr sz="1300" b="1" dirty="0">
               <a:highlight>
                 <a:schemeClr val="dk1"/>
               </a:highlight>
@@ -27685,7 +27685,7 @@
               </a:spcAft>
               <a:buNone/>
             </a:pPr>
-            <a:endParaRPr sz="1500" b="1">
+            <a:endParaRPr sz="1500" b="1" dirty="0">
               <a:highlight>
                 <a:schemeClr val="dk1"/>
               </a:highlight>
@@ -27711,7 +27711,7 @@
               <a:buChar char="●"/>
             </a:pPr>
             <a:r>
-              <a:rPr lang="es" sz="1500" b="1">
+              <a:rPr lang="es" sz="1500" b="1" dirty="0">
                 <a:highlight>
                   <a:schemeClr val="dk1"/>
                 </a:highlight>
@@ -27723,7 +27723,7 @@
               <a:t>THREE.CylinderGeometry (</a:t>
             </a:r>
             <a:r>
-              <a:rPr lang="es" sz="1500" b="1">
+              <a:rPr lang="es" sz="1500" b="1" dirty="0">
                 <a:solidFill>
                   <a:srgbClr val="434343"/>
                 </a:solidFill>
@@ -27738,7 +27738,7 @@
               <a:t>radiusTop, radiusBottom, height, radialSegments, heightSegments, openEnded, thetaStart, thetaLength</a:t>
             </a:r>
             <a:r>
-              <a:rPr lang="es" sz="1500" b="1">
+              <a:rPr lang="es" sz="1500" b="1" dirty="0">
                 <a:highlight>
                   <a:schemeClr val="dk1"/>
                 </a:highlight>
@@ -27749,7 +27749,7 @@
               </a:rPr>
               <a:t>)</a:t>
             </a:r>
-            <a:endParaRPr sz="1500" b="1">
+            <a:endParaRPr sz="1500" b="1" dirty="0">
               <a:highlight>
                 <a:schemeClr val="dk1"/>
               </a:highlight>
@@ -27769,7 +27769,7 @@
               </a:spcAft>
               <a:buNone/>
             </a:pPr>
-            <a:endParaRPr sz="1700" b="1">
+            <a:endParaRPr sz="1700" b="1" dirty="0">
               <a:highlight>
                 <a:schemeClr val="dk1"/>
               </a:highlight>
@@ -27790,7 +27790,7 @@
               <a:buNone/>
             </a:pPr>
             <a:r>
-              <a:rPr lang="es" sz="1300">
+              <a:rPr lang="es" sz="1300" dirty="0">
                 <a:solidFill>
                   <a:srgbClr val="30B030"/>
                 </a:solidFill>
@@ -27802,7 +27802,7 @@
               <a:t>var</a:t>
             </a:r>
             <a:r>
-              <a:rPr lang="es" sz="1300">
+              <a:rPr lang="es" sz="1300" dirty="0">
                 <a:solidFill>
                   <a:srgbClr val="444444"/>
                 </a:solidFill>
@@ -27814,7 +27814,7 @@
               <a:t> geometry </a:t>
             </a:r>
             <a:r>
-              <a:rPr lang="es" sz="1300">
+              <a:rPr lang="es" sz="1300" dirty="0">
                 <a:solidFill>
                   <a:srgbClr val="888888"/>
                 </a:solidFill>
@@ -27826,7 +27826,7 @@
               <a:t>=</a:t>
             </a:r>
             <a:r>
-              <a:rPr lang="es" sz="1300">
+              <a:rPr lang="es" sz="1300" dirty="0">
                 <a:solidFill>
                   <a:srgbClr val="444444"/>
                 </a:solidFill>
@@ -27838,7 +27838,7 @@
               <a:t> </a:t>
             </a:r>
             <a:r>
-              <a:rPr lang="es" sz="1300">
+              <a:rPr lang="es" sz="1300" dirty="0">
                 <a:solidFill>
                   <a:srgbClr val="30B030"/>
                 </a:solidFill>
@@ -27850,7 +27850,7 @@
               <a:t>new</a:t>
             </a:r>
             <a:r>
-              <a:rPr lang="es" sz="1300">
+              <a:rPr lang="es" sz="1300" dirty="0">
                 <a:solidFill>
                   <a:srgbClr val="444444"/>
                 </a:solidFill>
@@ -27862,7 +27862,7 @@
               <a:t> THREE</a:t>
             </a:r>
             <a:r>
-              <a:rPr lang="es" sz="1300">
+              <a:rPr lang="es" sz="1300" dirty="0">
                 <a:solidFill>
                   <a:srgbClr val="888888"/>
                 </a:solidFill>
@@ -27874,7 +27874,7 @@
               <a:t>.</a:t>
             </a:r>
             <a:r>
-              <a:rPr lang="es" sz="1300">
+              <a:rPr lang="es" sz="1300" dirty="0">
                 <a:solidFill>
                   <a:srgbClr val="2194CE"/>
                 </a:solidFill>
@@ -27886,7 +27886,7 @@
               <a:t>CylinderGeometry</a:t>
             </a:r>
             <a:r>
-              <a:rPr lang="es" sz="1300">
+              <a:rPr lang="es" sz="1300" dirty="0">
                 <a:solidFill>
                   <a:srgbClr val="888888"/>
                 </a:solidFill>
@@ -27898,7 +27898,7 @@
               <a:t>(</a:t>
             </a:r>
             <a:r>
-              <a:rPr lang="es" sz="1300">
+              <a:rPr lang="es" sz="1300" dirty="0">
                 <a:solidFill>
                   <a:srgbClr val="444444"/>
                 </a:solidFill>
@@ -27910,7 +27910,7 @@
               <a:t> </a:t>
             </a:r>
             <a:r>
-              <a:rPr lang="es" sz="1300">
+              <a:rPr lang="es" sz="1300" dirty="0">
                 <a:solidFill>
                   <a:srgbClr val="FF0080"/>
                 </a:solidFill>
@@ -27922,7 +27922,7 @@
               <a:t>5</a:t>
             </a:r>
             <a:r>
-              <a:rPr lang="es" sz="1300">
+              <a:rPr lang="es" sz="1300" dirty="0">
                 <a:solidFill>
                   <a:srgbClr val="888888"/>
                 </a:solidFill>
@@ -27934,7 +27934,7 @@
               <a:t>,</a:t>
             </a:r>
             <a:r>
-              <a:rPr lang="es" sz="1300">
+              <a:rPr lang="es" sz="1300" dirty="0">
                 <a:solidFill>
                   <a:srgbClr val="444444"/>
                 </a:solidFill>
@@ -27946,7 +27946,7 @@
               <a:t> </a:t>
             </a:r>
             <a:r>
-              <a:rPr lang="es" sz="1300">
+              <a:rPr lang="es" sz="1300" dirty="0">
                 <a:solidFill>
                   <a:srgbClr val="FF0080"/>
                 </a:solidFill>
@@ -27958,7 +27958,7 @@
               <a:t>5</a:t>
             </a:r>
             <a:r>
-              <a:rPr lang="es" sz="1300">
+              <a:rPr lang="es" sz="1300" dirty="0">
                 <a:solidFill>
                   <a:srgbClr val="888888"/>
                 </a:solidFill>
@@ -27970,7 +27970,7 @@
               <a:t>,</a:t>
             </a:r>
             <a:r>
-              <a:rPr lang="es" sz="1300">
+              <a:rPr lang="es" sz="1300" dirty="0">
                 <a:solidFill>
                   <a:srgbClr val="444444"/>
                 </a:solidFill>
@@ -27982,7 +27982,7 @@
               <a:t> </a:t>
             </a:r>
             <a:r>
-              <a:rPr lang="es" sz="1300">
+              <a:rPr lang="es" sz="1300" dirty="0">
                 <a:solidFill>
                   <a:srgbClr val="FF0080"/>
                 </a:solidFill>
@@ -27994,7 +27994,7 @@
               <a:t>20</a:t>
             </a:r>
             <a:r>
-              <a:rPr lang="es" sz="1300">
+              <a:rPr lang="es" sz="1300" dirty="0">
                 <a:solidFill>
                   <a:srgbClr val="888888"/>
                 </a:solidFill>
@@ -28006,7 +28006,7 @@
               <a:t>,</a:t>
             </a:r>
             <a:r>
-              <a:rPr lang="es" sz="1300">
+              <a:rPr lang="es" sz="1300" dirty="0">
                 <a:solidFill>
                   <a:srgbClr val="444444"/>
                 </a:solidFill>
@@ -28018,7 +28018,7 @@
               <a:t> </a:t>
             </a:r>
             <a:r>
-              <a:rPr lang="es" sz="1300">
+              <a:rPr lang="es" sz="1300" dirty="0">
                 <a:solidFill>
                   <a:srgbClr val="FF0080"/>
                 </a:solidFill>
@@ -28027,22 +28027,10 @@
                 <a:cs typeface="Courier New"/>
                 <a:sym typeface="Courier New"/>
               </a:rPr>
-              <a:t>32</a:t>
-            </a:r>
-            <a:r>
-              <a:rPr lang="es" sz="1300">
-                <a:solidFill>
-                  <a:srgbClr val="444444"/>
-                </a:solidFill>
-                <a:latin typeface="Courier New"/>
-                <a:ea typeface="Courier New"/>
-                <a:cs typeface="Courier New"/>
-                <a:sym typeface="Courier New"/>
-              </a:rPr>
-              <a:t> </a:t>
-            </a:r>
-            <a:r>
-              <a:rPr lang="es" sz="1300">
+              <a:t>8</a:t>
+            </a:r>
+            <a:r>
+              <a:rPr lang="es" sz="1300" dirty="0">
                 <a:solidFill>
                   <a:srgbClr val="888888"/>
                 </a:solidFill>
@@ -28053,7 +28041,7 @@
               </a:rPr>
               <a:t>);</a:t>
             </a:r>
-            <a:endParaRPr sz="1300" b="1">
+            <a:endParaRPr sz="1300" b="1" dirty="0">
               <a:highlight>
                 <a:schemeClr val="dk1"/>
               </a:highlight>
@@ -28073,7 +28061,7 @@
               </a:spcAft>
               <a:buNone/>
             </a:pPr>
-            <a:endParaRPr sz="1500" b="1">
+            <a:endParaRPr sz="1500" b="1" dirty="0">
               <a:solidFill>
                 <a:srgbClr val="2194CE"/>
               </a:solidFill>
@@ -28093,7 +28081,7 @@
               </a:spcAft>
               <a:buNone/>
             </a:pPr>
-            <a:endParaRPr sz="1500" b="1">
+            <a:endParaRPr sz="1500" b="1" dirty="0">
               <a:solidFill>
                 <a:srgbClr val="24292E"/>
               </a:solidFill>
@@ -39766,7 +39754,7 @@
               </a:spcAft>
               <a:buNone/>
             </a:pPr>
-            <a:endParaRPr sz="1700" b="1">
+            <a:endParaRPr sz="1700" b="1" dirty="0">
               <a:solidFill>
                 <a:srgbClr val="24292E"/>
               </a:solidFill>
@@ -39795,7 +39783,7 @@
               <a:buChar char="●"/>
             </a:pPr>
             <a:r>
-              <a:rPr lang="es" sz="1500" b="1">
+              <a:rPr lang="es" sz="1500" b="1" dirty="0">
                 <a:highlight>
                   <a:schemeClr val="dk1"/>
                 </a:highlight>
@@ -39807,7 +39795,7 @@
               <a:t>THREE.ConeGeometry </a:t>
             </a:r>
             <a:r>
-              <a:rPr lang="es" sz="1500" b="1">
+              <a:rPr lang="es" sz="1500" b="1" dirty="0">
                 <a:solidFill>
                   <a:srgbClr val="24292E"/>
                 </a:solidFill>
@@ -39822,7 +39810,7 @@
               <a:t>(</a:t>
             </a:r>
             <a:r>
-              <a:rPr lang="es" sz="1500" b="1">
+              <a:rPr lang="es" sz="1500" b="1" dirty="0">
                 <a:solidFill>
                   <a:srgbClr val="434343"/>
                 </a:solidFill>
@@ -39837,7 +39825,7 @@
               <a:t>radius, height, radialSegments, heightSegments, openEnded, thetaStart, thetaLength</a:t>
             </a:r>
             <a:r>
-              <a:rPr lang="es" sz="1500" b="1">
+              <a:rPr lang="es" sz="1500" b="1" dirty="0">
                 <a:solidFill>
                   <a:srgbClr val="24292E"/>
                 </a:solidFill>
@@ -39851,7 +39839,7 @@
               </a:rPr>
               <a:t>)</a:t>
             </a:r>
-            <a:endParaRPr sz="1500" b="1">
+            <a:endParaRPr sz="1500" b="1" dirty="0">
               <a:solidFill>
                 <a:srgbClr val="24292E"/>
               </a:solidFill>
@@ -39874,7 +39862,7 @@
               </a:spcAft>
               <a:buNone/>
             </a:pPr>
-            <a:endParaRPr sz="1700">
+            <a:endParaRPr sz="1700" dirty="0">
               <a:solidFill>
                 <a:srgbClr val="24292E"/>
               </a:solidFill>
@@ -39898,7 +39886,7 @@
               <a:buNone/>
             </a:pPr>
             <a:r>
-              <a:rPr lang="es" sz="1300">
+              <a:rPr lang="es" sz="1300" dirty="0">
                 <a:solidFill>
                   <a:srgbClr val="30B030"/>
                 </a:solidFill>
@@ -39910,7 +39898,7 @@
               <a:t>var</a:t>
             </a:r>
             <a:r>
-              <a:rPr lang="es" sz="1300">
+              <a:rPr lang="es" sz="1300" dirty="0">
                 <a:solidFill>
                   <a:srgbClr val="444444"/>
                 </a:solidFill>
@@ -39922,7 +39910,7 @@
               <a:t> geometry </a:t>
             </a:r>
             <a:r>
-              <a:rPr lang="es" sz="1300">
+              <a:rPr lang="es" sz="1300" dirty="0">
                 <a:solidFill>
                   <a:srgbClr val="888888"/>
                 </a:solidFill>
@@ -39934,7 +39922,7 @@
               <a:t>=</a:t>
             </a:r>
             <a:r>
-              <a:rPr lang="es" sz="1300">
+              <a:rPr lang="es" sz="1300" dirty="0">
                 <a:solidFill>
                   <a:srgbClr val="444444"/>
                 </a:solidFill>
@@ -39946,7 +39934,7 @@
               <a:t> </a:t>
             </a:r>
             <a:r>
-              <a:rPr lang="es" sz="1300">
+              <a:rPr lang="es" sz="1300" dirty="0">
                 <a:solidFill>
                   <a:srgbClr val="30B030"/>
                 </a:solidFill>
@@ -39958,7 +39946,7 @@
               <a:t>new</a:t>
             </a:r>
             <a:r>
-              <a:rPr lang="es" sz="1300">
+              <a:rPr lang="es" sz="1300" dirty="0">
                 <a:solidFill>
                   <a:srgbClr val="444444"/>
                 </a:solidFill>
@@ -39970,7 +39958,7 @@
               <a:t> THREE</a:t>
             </a:r>
             <a:r>
-              <a:rPr lang="es" sz="1300">
+              <a:rPr lang="es" sz="1300" dirty="0">
                 <a:solidFill>
                   <a:srgbClr val="888888"/>
                 </a:solidFill>
@@ -39982,7 +39970,7 @@
               <a:t>.</a:t>
             </a:r>
             <a:r>
-              <a:rPr lang="es" sz="1300">
+              <a:rPr lang="es" sz="1300" dirty="0">
                 <a:solidFill>
                   <a:srgbClr val="2194CE"/>
                 </a:solidFill>
@@ -39994,7 +39982,7 @@
               <a:t>ConeGeometry</a:t>
             </a:r>
             <a:r>
-              <a:rPr lang="es" sz="1300">
+              <a:rPr lang="es" sz="1300" dirty="0">
                 <a:solidFill>
                   <a:srgbClr val="888888"/>
                 </a:solidFill>
@@ -40006,7 +39994,7 @@
               <a:t>(</a:t>
             </a:r>
             <a:r>
-              <a:rPr lang="es" sz="1300">
+              <a:rPr lang="es" sz="1300" dirty="0">
                 <a:solidFill>
                   <a:srgbClr val="444444"/>
                 </a:solidFill>
@@ -40018,7 +40006,7 @@
               <a:t> </a:t>
             </a:r>
             <a:r>
-              <a:rPr lang="es" sz="1300">
+              <a:rPr lang="es" sz="1300" dirty="0">
                 <a:solidFill>
                   <a:srgbClr val="FF0080"/>
                 </a:solidFill>
@@ -40030,7 +40018,7 @@
               <a:t>5</a:t>
             </a:r>
             <a:r>
-              <a:rPr lang="es" sz="1300">
+              <a:rPr lang="es" sz="1300" dirty="0">
                 <a:solidFill>
                   <a:srgbClr val="888888"/>
                 </a:solidFill>
@@ -40042,7 +40030,7 @@
               <a:t>,</a:t>
             </a:r>
             <a:r>
-              <a:rPr lang="es" sz="1300">
+              <a:rPr lang="es" sz="1300" dirty="0">
                 <a:solidFill>
                   <a:srgbClr val="444444"/>
                 </a:solidFill>
@@ -40054,7 +40042,7 @@
               <a:t> </a:t>
             </a:r>
             <a:r>
-              <a:rPr lang="es" sz="1300">
+              <a:rPr lang="es" sz="1300" dirty="0">
                 <a:solidFill>
                   <a:srgbClr val="FF0080"/>
                 </a:solidFill>
@@ -40066,7 +40054,7 @@
               <a:t>20</a:t>
             </a:r>
             <a:r>
-              <a:rPr lang="es" sz="1300">
+              <a:rPr lang="es" sz="1300" dirty="0">
                 <a:solidFill>
                   <a:srgbClr val="888888"/>
                 </a:solidFill>
@@ -40078,7 +40066,7 @@
               <a:t>,</a:t>
             </a:r>
             <a:r>
-              <a:rPr lang="es" sz="1300">
+              <a:rPr lang="es" sz="1300" dirty="0">
                 <a:solidFill>
                   <a:srgbClr val="444444"/>
                 </a:solidFill>
@@ -40090,7 +40078,7 @@
               <a:t> </a:t>
             </a:r>
             <a:r>
-              <a:rPr lang="es" sz="1300">
+              <a:rPr lang="es" sz="1300" dirty="0">
                 <a:solidFill>
                   <a:srgbClr val="FF0080"/>
                 </a:solidFill>
@@ -40099,10 +40087,10 @@
                 <a:cs typeface="Courier New"/>
                 <a:sym typeface="Courier New"/>
               </a:rPr>
-              <a:t>32</a:t>
-            </a:r>
-            <a:r>
-              <a:rPr lang="es" sz="1300">
+              <a:t>8</a:t>
+            </a:r>
+            <a:r>
+              <a:rPr lang="es" sz="1300" dirty="0">
                 <a:solidFill>
                   <a:srgbClr val="444444"/>
                 </a:solidFill>
@@ -40114,7 +40102,7 @@
               <a:t> </a:t>
             </a:r>
             <a:r>
-              <a:rPr lang="es" sz="1300">
+              <a:rPr lang="es" sz="1300" dirty="0">
                 <a:solidFill>
                   <a:srgbClr val="888888"/>
                 </a:solidFill>
@@ -40125,7 +40113,7 @@
               </a:rPr>
               <a:t>);</a:t>
             </a:r>
-            <a:endParaRPr sz="1700">
+            <a:endParaRPr sz="1700" dirty="0">
               <a:solidFill>
                 <a:srgbClr val="24292E"/>
               </a:solidFill>
@@ -40148,7 +40136,7 @@
               </a:spcAft>
               <a:buNone/>
             </a:pPr>
-            <a:endParaRPr sz="1700">
+            <a:endParaRPr sz="1700" dirty="0">
               <a:solidFill>
                 <a:srgbClr val="24292E"/>
               </a:solidFill>
@@ -40171,7 +40159,7 @@
               </a:spcAft>
               <a:buNone/>
             </a:pPr>
-            <a:endParaRPr sz="1700">
+            <a:endParaRPr sz="1700" dirty="0">
               <a:solidFill>
                 <a:srgbClr val="24292E"/>
               </a:solidFill>
@@ -40200,7 +40188,7 @@
               <a:buChar char="●"/>
             </a:pPr>
             <a:r>
-              <a:rPr lang="es" sz="1500" b="1">
+              <a:rPr lang="es" sz="1500" b="1" dirty="0">
                 <a:highlight>
                   <a:schemeClr val="dk1"/>
                 </a:highlight>
@@ -40212,7 +40200,7 @@
               <a:t>THREE.DodecahedronGeometry</a:t>
             </a:r>
             <a:r>
-              <a:rPr lang="es" sz="1500" b="1">
+              <a:rPr lang="es" sz="1500" b="1" dirty="0">
                 <a:solidFill>
                   <a:srgbClr val="24292E"/>
                 </a:solidFill>
@@ -40227,7 +40215,7 @@
               <a:t> (</a:t>
             </a:r>
             <a:r>
-              <a:rPr lang="es" sz="1500" b="1">
+              <a:rPr lang="es" sz="1500" b="1" dirty="0">
                 <a:solidFill>
                   <a:srgbClr val="434343"/>
                 </a:solidFill>
@@ -40242,7 +40230,7 @@
               <a:t>radius, detail</a:t>
             </a:r>
             <a:r>
-              <a:rPr lang="es" sz="1500" b="1">
+              <a:rPr lang="es" sz="1500" b="1" dirty="0">
                 <a:solidFill>
                   <a:srgbClr val="24292E"/>
                 </a:solidFill>
@@ -40256,7 +40244,7 @@
               </a:rPr>
               <a:t>)</a:t>
             </a:r>
-            <a:endParaRPr sz="1500" b="1">
+            <a:endParaRPr sz="1500" b="1" dirty="0">
               <a:solidFill>
                 <a:srgbClr val="24292E"/>
               </a:solidFill>
@@ -40279,7 +40267,7 @@
               </a:spcAft>
               <a:buNone/>
             </a:pPr>
-            <a:endParaRPr sz="1700" b="1">
+            <a:endParaRPr sz="1700" b="1" dirty="0">
               <a:solidFill>
                 <a:srgbClr val="24292E"/>
               </a:solidFill>
@@ -40303,7 +40291,7 @@
               <a:buNone/>
             </a:pPr>
             <a:r>
-              <a:rPr lang="es" sz="1300">
+              <a:rPr lang="es" sz="1300" dirty="0">
                 <a:solidFill>
                   <a:srgbClr val="30B030"/>
                 </a:solidFill>
@@ -40315,7 +40303,7 @@
               <a:t>var</a:t>
             </a:r>
             <a:r>
-              <a:rPr lang="es" sz="1300">
+              <a:rPr lang="es" sz="1300" dirty="0">
                 <a:solidFill>
                   <a:srgbClr val="444444"/>
                 </a:solidFill>
@@ -40327,7 +40315,7 @@
               <a:t> geometry </a:t>
             </a:r>
             <a:r>
-              <a:rPr lang="es" sz="1300">
+              <a:rPr lang="es" sz="1300" dirty="0">
                 <a:solidFill>
                   <a:srgbClr val="888888"/>
                 </a:solidFill>
@@ -40339,7 +40327,7 @@
               <a:t>=</a:t>
             </a:r>
             <a:r>
-              <a:rPr lang="es" sz="1300">
+              <a:rPr lang="es" sz="1300" dirty="0">
                 <a:solidFill>
                   <a:srgbClr val="444444"/>
                 </a:solidFill>
@@ -40351,7 +40339,7 @@
               <a:t> </a:t>
             </a:r>
             <a:r>
-              <a:rPr lang="es" sz="1300">
+              <a:rPr lang="es" sz="1300" dirty="0">
                 <a:solidFill>
                   <a:srgbClr val="30B030"/>
                 </a:solidFill>
@@ -40363,7 +40351,7 @@
               <a:t>new</a:t>
             </a:r>
             <a:r>
-              <a:rPr lang="es" sz="1300">
+              <a:rPr lang="es" sz="1300" dirty="0">
                 <a:solidFill>
                   <a:srgbClr val="444444"/>
                 </a:solidFill>
@@ -40375,7 +40363,7 @@
               <a:t> THREE</a:t>
             </a:r>
             <a:r>
-              <a:rPr lang="es" sz="1300">
+              <a:rPr lang="es" sz="1300" dirty="0">
                 <a:solidFill>
                   <a:srgbClr val="888888"/>
                 </a:solidFill>
@@ -40387,7 +40375,7 @@
               <a:t>.</a:t>
             </a:r>
             <a:r>
-              <a:rPr lang="es" sz="1300">
+              <a:rPr lang="es" sz="1300" dirty="0">
                 <a:solidFill>
                   <a:srgbClr val="2194CE"/>
                 </a:solidFill>
@@ -40399,7 +40387,7 @@
               <a:t>DodecahdronGeometry</a:t>
             </a:r>
             <a:r>
-              <a:rPr lang="es" sz="1300">
+              <a:rPr lang="es" sz="1300" dirty="0">
                 <a:solidFill>
                   <a:srgbClr val="888888"/>
                 </a:solidFill>
@@ -40411,7 +40399,7 @@
               <a:t>(</a:t>
             </a:r>
             <a:r>
-              <a:rPr lang="es" sz="1300">
+              <a:rPr lang="es" sz="1300" dirty="0">
                 <a:solidFill>
                   <a:srgbClr val="444444"/>
                 </a:solidFill>
@@ -40422,7 +40410,7 @@
               </a:rPr>
               <a:t>);</a:t>
             </a:r>
-            <a:endParaRPr sz="1300">
+            <a:endParaRPr sz="1300" dirty="0">
               <a:solidFill>
                 <a:srgbClr val="444444"/>
               </a:solidFill>
@@ -40442,7 +40430,7 @@
               </a:spcAft>
               <a:buNone/>
             </a:pPr>
-            <a:endParaRPr sz="1700">
+            <a:endParaRPr sz="1700" dirty="0">
               <a:solidFill>
                 <a:srgbClr val="444444"/>
               </a:solidFill>
@@ -40462,7 +40450,7 @@
               </a:spcAft>
               <a:buNone/>
             </a:pPr>
-            <a:endParaRPr sz="1700">
+            <a:endParaRPr sz="1700" dirty="0">
               <a:solidFill>
                 <a:srgbClr val="444444"/>
               </a:solidFill>
@@ -40488,7 +40476,7 @@
               <a:buChar char="●"/>
             </a:pPr>
             <a:r>
-              <a:rPr lang="es" sz="1500" b="1">
+              <a:rPr lang="es" sz="1500" b="1" dirty="0">
                 <a:highlight>
                   <a:schemeClr val="dk1"/>
                 </a:highlight>
@@ -40500,7 +40488,7 @@
               <a:t>THREE.TorusGeometry </a:t>
             </a:r>
             <a:r>
-              <a:rPr lang="es" sz="1500" b="1">
+              <a:rPr lang="es" sz="1500" b="1" dirty="0">
                 <a:solidFill>
                   <a:srgbClr val="24292E"/>
                 </a:solidFill>
@@ -40515,7 +40503,7 @@
               <a:t>(</a:t>
             </a:r>
             <a:r>
-              <a:rPr lang="es" sz="1500" b="1">
+              <a:rPr lang="es" sz="1500" b="1" dirty="0">
                 <a:solidFill>
                   <a:srgbClr val="434343"/>
                 </a:solidFill>
@@ -40527,7 +40515,7 @@
               <a:t>radius, tube,  radialSegments, tubularSegments, arc</a:t>
             </a:r>
             <a:r>
-              <a:rPr lang="es" sz="1500" b="1">
+              <a:rPr lang="es" sz="1500" b="1" dirty="0">
                 <a:latin typeface="Barlow Condensed"/>
                 <a:ea typeface="Barlow Condensed"/>
                 <a:cs typeface="Barlow Condensed"/>
@@ -40535,7 +40523,7 @@
               </a:rPr>
               <a:t>)</a:t>
             </a:r>
-            <a:endParaRPr sz="1500" b="1">
+            <a:endParaRPr sz="1500" b="1" dirty="0">
               <a:latin typeface="Barlow Condensed"/>
               <a:ea typeface="Barlow Condensed"/>
               <a:cs typeface="Barlow Condensed"/>
@@ -40552,7 +40540,7 @@
               </a:spcAft>
               <a:buNone/>
             </a:pPr>
-            <a:endParaRPr sz="1700" b="1">
+            <a:endParaRPr sz="1700" b="1" dirty="0">
               <a:solidFill>
                 <a:srgbClr val="24292E"/>
               </a:solidFill>
@@ -40576,7 +40564,7 @@
               <a:buNone/>
             </a:pPr>
             <a:r>
-              <a:rPr lang="es" sz="1300">
+              <a:rPr lang="es" sz="1300" dirty="0">
                 <a:solidFill>
                   <a:srgbClr val="30B030"/>
                 </a:solidFill>
@@ -40588,7 +40576,7 @@
               <a:t>var</a:t>
             </a:r>
             <a:r>
-              <a:rPr lang="es" sz="1300">
+              <a:rPr lang="es" sz="1300" dirty="0">
                 <a:solidFill>
                   <a:srgbClr val="444444"/>
                 </a:solidFill>
@@ -40600,7 +40588,7 @@
               <a:t> geometry </a:t>
             </a:r>
             <a:r>
-              <a:rPr lang="es" sz="1300">
+              <a:rPr lang="es" sz="1300" dirty="0">
                 <a:solidFill>
                   <a:srgbClr val="888888"/>
                 </a:solidFill>
@@ -40612,7 +40600,7 @@
               <a:t>=</a:t>
             </a:r>
             <a:r>
-              <a:rPr lang="es" sz="1300">
+              <a:rPr lang="es" sz="1300" dirty="0">
                 <a:solidFill>
                   <a:srgbClr val="444444"/>
                 </a:solidFill>
@@ -40624,7 +40612,7 @@
               <a:t> </a:t>
             </a:r>
             <a:r>
-              <a:rPr lang="es" sz="1300">
+              <a:rPr lang="es" sz="1300" dirty="0">
                 <a:solidFill>
                   <a:srgbClr val="30B030"/>
                 </a:solidFill>
@@ -40636,7 +40624,7 @@
               <a:t>new</a:t>
             </a:r>
             <a:r>
-              <a:rPr lang="es" sz="1300">
+              <a:rPr lang="es" sz="1300" dirty="0">
                 <a:solidFill>
                   <a:srgbClr val="444444"/>
                 </a:solidFill>
@@ -40648,7 +40636,7 @@
               <a:t> THREE</a:t>
             </a:r>
             <a:r>
-              <a:rPr lang="es" sz="1300">
+              <a:rPr lang="es" sz="1300" dirty="0">
                 <a:solidFill>
                   <a:srgbClr val="888888"/>
                 </a:solidFill>
@@ -40660,7 +40648,7 @@
               <a:t>.</a:t>
             </a:r>
             <a:r>
-              <a:rPr lang="es" sz="1300">
+              <a:rPr lang="es" sz="1300" dirty="0">
                 <a:solidFill>
                   <a:srgbClr val="2194CE"/>
                 </a:solidFill>
@@ -40672,7 +40660,7 @@
               <a:t>TorusGeometry</a:t>
             </a:r>
             <a:r>
-              <a:rPr lang="es" sz="1300">
+              <a:rPr lang="es" sz="1300" dirty="0">
                 <a:solidFill>
                   <a:srgbClr val="888888"/>
                 </a:solidFill>
@@ -40684,7 +40672,7 @@
               <a:t>(</a:t>
             </a:r>
             <a:r>
-              <a:rPr lang="es" sz="1300">
+              <a:rPr lang="es" sz="1300" dirty="0">
                 <a:solidFill>
                   <a:srgbClr val="444444"/>
                 </a:solidFill>
@@ -40696,7 +40684,7 @@
               <a:t> </a:t>
             </a:r>
             <a:r>
-              <a:rPr lang="es" sz="1300">
+              <a:rPr lang="es" sz="1300" dirty="0">
                 <a:solidFill>
                   <a:srgbClr val="FF0080"/>
                 </a:solidFill>
@@ -40708,7 +40696,7 @@
               <a:t>10</a:t>
             </a:r>
             <a:r>
-              <a:rPr lang="es" sz="1300">
+              <a:rPr lang="es" sz="1300" dirty="0">
                 <a:solidFill>
                   <a:srgbClr val="888888"/>
                 </a:solidFill>
@@ -40720,7 +40708,7 @@
               <a:t>,</a:t>
             </a:r>
             <a:r>
-              <a:rPr lang="es" sz="1300">
+              <a:rPr lang="es" sz="1300" dirty="0">
                 <a:solidFill>
                   <a:srgbClr val="444444"/>
                 </a:solidFill>
@@ -40732,7 +40720,7 @@
               <a:t> </a:t>
             </a:r>
             <a:r>
-              <a:rPr lang="es" sz="1300">
+              <a:rPr lang="es" sz="1300" dirty="0">
                 <a:solidFill>
                   <a:srgbClr val="FF0080"/>
                 </a:solidFill>
@@ -40744,7 +40732,7 @@
               <a:t>3</a:t>
             </a:r>
             <a:r>
-              <a:rPr lang="es" sz="1300">
+              <a:rPr lang="es" sz="1300" dirty="0">
                 <a:solidFill>
                   <a:srgbClr val="888888"/>
                 </a:solidFill>
@@ -40756,7 +40744,7 @@
               <a:t>,</a:t>
             </a:r>
             <a:r>
-              <a:rPr lang="es" sz="1300">
+              <a:rPr lang="es" sz="1300" dirty="0">
                 <a:solidFill>
                   <a:srgbClr val="444444"/>
                 </a:solidFill>
@@ -40768,7 +40756,7 @@
               <a:t> </a:t>
             </a:r>
             <a:r>
-              <a:rPr lang="es" sz="1300">
+              <a:rPr lang="es" sz="1300" dirty="0">
                 <a:solidFill>
                   <a:srgbClr val="FF0080"/>
                 </a:solidFill>
@@ -40780,7 +40768,7 @@
               <a:t>16</a:t>
             </a:r>
             <a:r>
-              <a:rPr lang="es" sz="1300">
+              <a:rPr lang="es" sz="1300" dirty="0">
                 <a:solidFill>
                   <a:srgbClr val="888888"/>
                 </a:solidFill>
@@ -40792,7 +40780,7 @@
               <a:t>,</a:t>
             </a:r>
             <a:r>
-              <a:rPr lang="es" sz="1300">
+              <a:rPr lang="es" sz="1300" dirty="0">
                 <a:solidFill>
                   <a:srgbClr val="444444"/>
                 </a:solidFill>
@@ -40804,7 +40792,7 @@
               <a:t> </a:t>
             </a:r>
             <a:r>
-              <a:rPr lang="es" sz="1300">
+              <a:rPr lang="es" sz="1300" dirty="0">
                 <a:solidFill>
                   <a:srgbClr val="FF0080"/>
                 </a:solidFill>
@@ -40816,7 +40804,7 @@
               <a:t>100</a:t>
             </a:r>
             <a:r>
-              <a:rPr lang="es" sz="1300">
+              <a:rPr lang="es" sz="1300" dirty="0">
                 <a:solidFill>
                   <a:srgbClr val="444444"/>
                 </a:solidFill>
@@ -40828,7 +40816,7 @@
               <a:t> </a:t>
             </a:r>
             <a:r>
-              <a:rPr lang="es" sz="1300">
+              <a:rPr lang="es" sz="1300" dirty="0">
                 <a:solidFill>
                   <a:srgbClr val="888888"/>
                 </a:solidFill>
@@ -40839,7 +40827,7 @@
               </a:rPr>
               <a:t>);</a:t>
             </a:r>
-            <a:endParaRPr sz="1700" b="1">
+            <a:endParaRPr sz="1700" b="1" dirty="0">
               <a:solidFill>
                 <a:srgbClr val="24292E"/>
               </a:solidFill>
@@ -40862,7 +40850,7 @@
               </a:spcAft>
               <a:buNone/>
             </a:pPr>
-            <a:endParaRPr sz="1700" b="1">
+            <a:endParaRPr sz="1700" b="1" dirty="0">
               <a:solidFill>
                 <a:srgbClr val="24292E"/>
               </a:solidFill>
